--- a/presentation/Adjacency List.pptx
+++ b/presentation/Adjacency List.pptx
@@ -8,6 +8,8 @@
     <p:sldId id="258" r:id="rId2"/>
     <p:sldId id="257" r:id="rId3"/>
     <p:sldId id="256" r:id="rId4"/>
+    <p:sldId id="260" r:id="rId5"/>
+    <p:sldId id="259" r:id="rId6"/>
   </p:sldIdLst>
   <p:sldSz cx="12192000" cy="6858000"/>
   <p:notesSz cx="6858000" cy="9144000"/>
@@ -106,6 +108,11 @@
       </a:defRPr>
     </a:lvl9pPr>
   </p:defaultTextStyle>
+  <p:extLst>
+    <p:ext uri="{EFAFB233-063F-42B5-8137-9DF3F51BA10A}">
+      <p15:sldGuideLst xmlns:p15="http://schemas.microsoft.com/office/powerpoint/2012/main"/>
+    </p:ext>
+  </p:extLst>
 </p:presentation>
 </file>
 
@@ -256,7 +263,7 @@
           <a:p>
             <a:fld id="{1EF099F9-4B29-464D-A440-A4CE92DF5A22}" type="datetimeFigureOut">
               <a:rPr lang="en-US" smtClean="0"/>
-              <a:t>5/18/2021</a:t>
+              <a:t>5/19/2021</a:t>
             </a:fld>
             <a:endParaRPr lang="en-US"/>
           </a:p>
@@ -454,7 +461,7 @@
           <a:p>
             <a:fld id="{1EF099F9-4B29-464D-A440-A4CE92DF5A22}" type="datetimeFigureOut">
               <a:rPr lang="en-US" smtClean="0"/>
-              <a:t>5/18/2021</a:t>
+              <a:t>5/19/2021</a:t>
             </a:fld>
             <a:endParaRPr lang="en-US"/>
           </a:p>
@@ -662,7 +669,7 @@
           <a:p>
             <a:fld id="{1EF099F9-4B29-464D-A440-A4CE92DF5A22}" type="datetimeFigureOut">
               <a:rPr lang="en-US" smtClean="0"/>
-              <a:t>5/18/2021</a:t>
+              <a:t>5/19/2021</a:t>
             </a:fld>
             <a:endParaRPr lang="en-US"/>
           </a:p>
@@ -860,7 +867,7 @@
           <a:p>
             <a:fld id="{1EF099F9-4B29-464D-A440-A4CE92DF5A22}" type="datetimeFigureOut">
               <a:rPr lang="en-US" smtClean="0"/>
-              <a:t>5/18/2021</a:t>
+              <a:t>5/19/2021</a:t>
             </a:fld>
             <a:endParaRPr lang="en-US"/>
           </a:p>
@@ -1135,7 +1142,7 @@
           <a:p>
             <a:fld id="{1EF099F9-4B29-464D-A440-A4CE92DF5A22}" type="datetimeFigureOut">
               <a:rPr lang="en-US" smtClean="0"/>
-              <a:t>5/18/2021</a:t>
+              <a:t>5/19/2021</a:t>
             </a:fld>
             <a:endParaRPr lang="en-US"/>
           </a:p>
@@ -1400,7 +1407,7 @@
           <a:p>
             <a:fld id="{1EF099F9-4B29-464D-A440-A4CE92DF5A22}" type="datetimeFigureOut">
               <a:rPr lang="en-US" smtClean="0"/>
-              <a:t>5/18/2021</a:t>
+              <a:t>5/19/2021</a:t>
             </a:fld>
             <a:endParaRPr lang="en-US"/>
           </a:p>
@@ -1812,7 +1819,7 @@
           <a:p>
             <a:fld id="{1EF099F9-4B29-464D-A440-A4CE92DF5A22}" type="datetimeFigureOut">
               <a:rPr lang="en-US" smtClean="0"/>
-              <a:t>5/18/2021</a:t>
+              <a:t>5/19/2021</a:t>
             </a:fld>
             <a:endParaRPr lang="en-US"/>
           </a:p>
@@ -1953,7 +1960,7 @@
           <a:p>
             <a:fld id="{1EF099F9-4B29-464D-A440-A4CE92DF5A22}" type="datetimeFigureOut">
               <a:rPr lang="en-US" smtClean="0"/>
-              <a:t>5/18/2021</a:t>
+              <a:t>5/19/2021</a:t>
             </a:fld>
             <a:endParaRPr lang="en-US"/>
           </a:p>
@@ -2066,7 +2073,7 @@
           <a:p>
             <a:fld id="{1EF099F9-4B29-464D-A440-A4CE92DF5A22}" type="datetimeFigureOut">
               <a:rPr lang="en-US" smtClean="0"/>
-              <a:t>5/18/2021</a:t>
+              <a:t>5/19/2021</a:t>
             </a:fld>
             <a:endParaRPr lang="en-US"/>
           </a:p>
@@ -2377,7 +2384,7 @@
           <a:p>
             <a:fld id="{1EF099F9-4B29-464D-A440-A4CE92DF5A22}" type="datetimeFigureOut">
               <a:rPr lang="en-US" smtClean="0"/>
-              <a:t>5/18/2021</a:t>
+              <a:t>5/19/2021</a:t>
             </a:fld>
             <a:endParaRPr lang="en-US"/>
           </a:p>
@@ -2665,7 +2672,7 @@
           <a:p>
             <a:fld id="{1EF099F9-4B29-464D-A440-A4CE92DF5A22}" type="datetimeFigureOut">
               <a:rPr lang="en-US" smtClean="0"/>
-              <a:t>5/18/2021</a:t>
+              <a:t>5/19/2021</a:t>
             </a:fld>
             <a:endParaRPr lang="en-US"/>
           </a:p>
@@ -2906,7 +2913,7 @@
           <a:p>
             <a:fld id="{1EF099F9-4B29-464D-A440-A4CE92DF5A22}" type="datetimeFigureOut">
               <a:rPr lang="en-US" smtClean="0"/>
-              <a:t>5/18/2021</a:t>
+              <a:t>5/19/2021</a:t>
             </a:fld>
             <a:endParaRPr lang="en-US"/>
           </a:p>
@@ -5451,7 +5458,7 @@
         </p:spPr>
         <p:txBody>
           <a:bodyPr>
-            <a:normAutofit fontScale="92500" lnSpcReduction="20000"/>
+            <a:normAutofit fontScale="92500"/>
           </a:bodyPr>
           <a:lstStyle/>
           <a:p>
@@ -5482,7 +5489,7 @@
             </a:pPr>
             <a:r>
               <a:rPr lang="en-US" dirty="0"/>
-              <a:t>After initial increase performance is consistent</a:t>
+              <a:t>Uniform performance across records</a:t>
             </a:r>
           </a:p>
           <a:p>
@@ -5491,7 +5498,21 @@
             </a:pPr>
             <a:r>
               <a:rPr lang="en-US" dirty="0"/>
-              <a:t>Large rows</a:t>
+              <a:t>Fat records (</a:t>
+            </a:r>
+            <a:r>
+              <a:rPr lang="en-US" b="0" i="0" dirty="0">
+                <a:solidFill>
+                  <a:srgbClr val="1A1A1A"/>
+                </a:solidFill>
+                <a:effectLst/>
+                <a:latin typeface="Akzidenz Grotesk BQ Light"/>
+              </a:rPr>
+              <a:t>400KB</a:t>
+            </a:r>
+            <a:r>
+              <a:rPr lang="en-US" dirty="0"/>
+              <a:t>)</a:t>
             </a:r>
           </a:p>
           <a:p>
@@ -5500,7 +5521,7 @@
             </a:pPr>
             <a:r>
               <a:rPr lang="en-US" dirty="0"/>
-              <a:t>Node consists of a virtual machine and a large number of attached, SSD based, virtual drives</a:t>
+              <a:t>Collocated DBs</a:t>
             </a:r>
           </a:p>
           <a:p>
@@ -5509,7 +5530,7 @@
             </a:pPr>
             <a:r>
               <a:rPr lang="en-US" dirty="0"/>
-              <a:t>Token bucket used to count usage (very indirect evidence)</a:t>
+              <a:t>Designed for SSD only. Multiple virtual SSD volumes per node.</a:t>
             </a:r>
           </a:p>
           <a:p>
@@ -5527,6 +5548,1483 @@
     <p:extLst>
       <p:ext uri="{BB962C8B-B14F-4D97-AF65-F5344CB8AC3E}">
         <p14:creationId xmlns:p14="http://schemas.microsoft.com/office/powerpoint/2010/main" val="4030255165"/>
+      </p:ext>
+    </p:extLst>
+  </p:cSld>
+  <p:clrMapOvr>
+    <a:masterClrMapping/>
+  </p:clrMapOvr>
+</p:sld>
+</file>
+
+<file path=ppt/slides/slide4.xml><?xml version="1.0" encoding="utf-8"?>
+<p:sld xmlns:a="http://schemas.openxmlformats.org/drawingml/2006/main" xmlns:r="http://schemas.openxmlformats.org/officeDocument/2006/relationships" xmlns:p="http://schemas.openxmlformats.org/presentationml/2006/main">
+  <p:cSld>
+    <p:spTree>
+      <p:nvGrpSpPr>
+        <p:cNvPr id="1" name=""/>
+        <p:cNvGrpSpPr/>
+        <p:nvPr/>
+      </p:nvGrpSpPr>
+      <p:grpSpPr>
+        <a:xfrm>
+          <a:off x="0" y="0"/>
+          <a:ext cx="0" cy="0"/>
+          <a:chOff x="0" y="0"/>
+          <a:chExt cx="0" cy="0"/>
+        </a:xfrm>
+      </p:grpSpPr>
+      <p:sp>
+        <p:nvSpPr>
+          <p:cNvPr id="2" name="Title 1">
+            <a:extLst>
+              <a:ext uri="{FF2B5EF4-FFF2-40B4-BE49-F238E27FC236}">
+                <a16:creationId xmlns:a16="http://schemas.microsoft.com/office/drawing/2014/main" id="{0F45D96A-7ADB-4FEE-AF0E-63189866C4F1}"/>
+              </a:ext>
+            </a:extLst>
+          </p:cNvPr>
+          <p:cNvSpPr>
+            <a:spLocks noGrp="1"/>
+          </p:cNvSpPr>
+          <p:nvPr>
+            <p:ph type="ctrTitle"/>
+          </p:nvPr>
+        </p:nvSpPr>
+        <p:spPr>
+          <a:xfrm>
+            <a:off x="1524000" y="385518"/>
+            <a:ext cx="9144000" cy="604848"/>
+          </a:xfrm>
+        </p:spPr>
+        <p:txBody>
+          <a:bodyPr>
+            <a:normAutofit fontScale="90000"/>
+          </a:bodyPr>
+          <a:lstStyle/>
+          <a:p>
+            <a:r>
+              <a:rPr lang="en-US" sz="4400" dirty="0"/>
+              <a:t>Conclusions:</a:t>
+            </a:r>
+          </a:p>
+        </p:txBody>
+      </p:sp>
+      <p:sp>
+        <p:nvSpPr>
+          <p:cNvPr id="3" name="Subtitle 2">
+            <a:extLst>
+              <a:ext uri="{FF2B5EF4-FFF2-40B4-BE49-F238E27FC236}">
+                <a16:creationId xmlns:a16="http://schemas.microsoft.com/office/drawing/2014/main" id="{F8886418-3A80-4BD0-A85B-11F403F6ECAD}"/>
+              </a:ext>
+            </a:extLst>
+          </p:cNvPr>
+          <p:cNvSpPr>
+            <a:spLocks noGrp="1"/>
+          </p:cNvSpPr>
+          <p:nvPr>
+            <p:ph type="subTitle" idx="1"/>
+          </p:nvPr>
+        </p:nvSpPr>
+        <p:spPr>
+          <a:xfrm>
+            <a:off x="1524000" y="1530104"/>
+            <a:ext cx="9144000" cy="2154129"/>
+          </a:xfrm>
+        </p:spPr>
+        <p:txBody>
+          <a:bodyPr>
+            <a:normAutofit/>
+          </a:bodyPr>
+          <a:lstStyle/>
+          <a:p>
+            <a:pPr marL="457200" indent="-457200" algn="l">
+              <a:buAutoNum type="arabicPeriod"/>
+            </a:pPr>
+            <a:r>
+              <a:rPr lang="en-US" dirty="0"/>
+              <a:t>Indices are kept in memory</a:t>
+            </a:r>
+          </a:p>
+          <a:p>
+            <a:pPr marL="457200" indent="-457200" algn="l">
+              <a:buAutoNum type="arabicPeriod"/>
+            </a:pPr>
+            <a:r>
+              <a:rPr lang="en-US" dirty="0"/>
+              <a:t>Indices are loaded upon access</a:t>
+            </a:r>
+          </a:p>
+          <a:p>
+            <a:pPr marL="457200" indent="-457200" algn="l">
+              <a:buFont typeface="Arial" panose="020B0604020202020204" pitchFamily="34" charset="0"/>
+              <a:buAutoNum type="arabicPeriod"/>
+            </a:pPr>
+            <a:r>
+              <a:rPr lang="en-US" dirty="0"/>
+              <a:t>Eviction of non used indices over time</a:t>
+            </a:r>
+          </a:p>
+          <a:p>
+            <a:pPr marL="457200" indent="-457200" algn="l">
+              <a:buFont typeface="Arial" panose="020B0604020202020204" pitchFamily="34" charset="0"/>
+              <a:buAutoNum type="arabicPeriod"/>
+            </a:pPr>
+            <a:r>
+              <a:rPr lang="en-US" dirty="0"/>
+              <a:t>Good key design is a king</a:t>
+            </a:r>
+          </a:p>
+        </p:txBody>
+      </p:sp>
+      <p:sp>
+        <p:nvSpPr>
+          <p:cNvPr id="4" name="Title 1">
+            <a:extLst>
+              <a:ext uri="{FF2B5EF4-FFF2-40B4-BE49-F238E27FC236}">
+                <a16:creationId xmlns:a16="http://schemas.microsoft.com/office/drawing/2014/main" id="{CBBC1BED-5338-45D7-A677-97FA4AEAFE72}"/>
+              </a:ext>
+            </a:extLst>
+          </p:cNvPr>
+          <p:cNvSpPr txBox="1">
+            <a:spLocks/>
+          </p:cNvSpPr>
+          <p:nvPr/>
+        </p:nvSpPr>
+        <p:spPr>
+          <a:xfrm>
+            <a:off x="1330172" y="3959441"/>
+            <a:ext cx="9144000" cy="1722268"/>
+          </a:xfrm>
+          <a:prstGeom prst="rect">
+            <a:avLst/>
+          </a:prstGeom>
+        </p:spPr>
+        <p:txBody>
+          <a:bodyPr vert="horz" lIns="91440" tIns="45720" rIns="91440" bIns="45720" rtlCol="0" anchor="b">
+            <a:normAutofit fontScale="97500" lnSpcReduction="10000"/>
+          </a:bodyPr>
+          <a:lstStyle>
+            <a:lvl1pPr algn="ctr" defTabSz="914400" rtl="0" eaLnBrk="1" latinLnBrk="0" hangingPunct="1">
+              <a:lnSpc>
+                <a:spcPct val="90000"/>
+              </a:lnSpc>
+              <a:spcBef>
+                <a:spcPct val="0"/>
+              </a:spcBef>
+              <a:buNone/>
+              <a:defRPr sz="6000" kern="1200">
+                <a:solidFill>
+                  <a:schemeClr val="tx1"/>
+                </a:solidFill>
+                <a:latin typeface="+mj-lt"/>
+                <a:ea typeface="+mj-ea"/>
+                <a:cs typeface="+mj-cs"/>
+              </a:defRPr>
+            </a:lvl1pPr>
+          </a:lstStyle>
+          <a:p>
+            <a:r>
+              <a:rPr lang="en-US" sz="4400" b="1" dirty="0"/>
+              <a:t>Open questions:</a:t>
+            </a:r>
+          </a:p>
+          <a:p>
+            <a:r>
+              <a:rPr lang="en-US" sz="4400" b="1" dirty="0"/>
+              <a:t>Why LSI contains a copy of data?</a:t>
+            </a:r>
+          </a:p>
+          <a:p>
+            <a:r>
+              <a:rPr lang="en-US" sz="4400" b="1" dirty="0"/>
+              <a:t> Why LSI pricing is the same as GSI?</a:t>
+            </a:r>
+          </a:p>
+        </p:txBody>
+      </p:sp>
+    </p:spTree>
+    <p:extLst>
+      <p:ext uri="{BB962C8B-B14F-4D97-AF65-F5344CB8AC3E}">
+        <p14:creationId xmlns:p14="http://schemas.microsoft.com/office/powerpoint/2010/main" val="4253310440"/>
+      </p:ext>
+    </p:extLst>
+  </p:cSld>
+  <p:clrMapOvr>
+    <a:masterClrMapping/>
+  </p:clrMapOvr>
+</p:sld>
+</file>
+
+<file path=ppt/slides/slide5.xml><?xml version="1.0" encoding="utf-8"?>
+<p:sld xmlns:a="http://schemas.openxmlformats.org/drawingml/2006/main" xmlns:r="http://schemas.openxmlformats.org/officeDocument/2006/relationships" xmlns:p="http://schemas.openxmlformats.org/presentationml/2006/main">
+  <p:cSld>
+    <p:bg>
+      <p:bgPr>
+        <a:solidFill>
+          <a:schemeClr val="bg1"/>
+        </a:solidFill>
+        <a:effectLst/>
+      </p:bgPr>
+    </p:bg>
+    <p:spTree>
+      <p:nvGrpSpPr>
+        <p:cNvPr id="1" name=""/>
+        <p:cNvGrpSpPr/>
+        <p:nvPr/>
+      </p:nvGrpSpPr>
+      <p:grpSpPr>
+        <a:xfrm>
+          <a:off x="0" y="0"/>
+          <a:ext cx="0" cy="0"/>
+          <a:chOff x="0" y="0"/>
+          <a:chExt cx="0" cy="0"/>
+        </a:xfrm>
+      </p:grpSpPr>
+      <p:sp>
+        <p:nvSpPr>
+          <p:cNvPr id="10" name="Down Arrow 7">
+            <a:extLst>
+              <a:ext uri="{FF2B5EF4-FFF2-40B4-BE49-F238E27FC236}">
+                <a16:creationId xmlns:a16="http://schemas.microsoft.com/office/drawing/2014/main" id="{D4771268-CB57-404A-9271-370EB28F6090}"/>
+              </a:ext>
+              <a:ext uri="{C183D7F6-B498-43B3-948B-1728B52AA6E4}">
+                <adec:decorative xmlns:adec="http://schemas.microsoft.com/office/drawing/2017/decorative" val="1"/>
+              </a:ext>
+            </a:extLst>
+          </p:cNvPr>
+          <p:cNvSpPr>
+            <a:spLocks noGrp="1" noRot="1" noChangeAspect="1" noMove="1" noResize="1" noEditPoints="1" noAdjustHandles="1" noChangeArrowheads="1" noChangeShapeType="1" noTextEdit="1"/>
+          </p:cNvSpPr>
+          <p:nvPr>
+            <p:extLst>
+              <p:ext uri="{386F3935-93C4-4BCD-93E2-E3B085C9AB24}">
+                <p16:designElem xmlns:p16="http://schemas.microsoft.com/office/powerpoint/2015/main" val="1"/>
+              </p:ext>
+            </p:extLst>
+          </p:nvPr>
+        </p:nvSpPr>
+        <p:spPr>
+          <a:xfrm rot="16200000">
+            <a:off x="800100" y="1491343"/>
+            <a:ext cx="3333749" cy="3499103"/>
+          </a:xfrm>
+          <a:prstGeom prst="downArrow">
+            <a:avLst>
+              <a:gd name="adj1" fmla="val 100000"/>
+              <a:gd name="adj2" fmla="val 15788"/>
+            </a:avLst>
+          </a:prstGeom>
+          <a:solidFill>
+            <a:srgbClr val="404040"/>
+          </a:solidFill>
+          <a:ln w="53975">
+            <a:noFill/>
+          </a:ln>
+        </p:spPr>
+        <p:style>
+          <a:lnRef idx="2">
+            <a:schemeClr val="accent1">
+              <a:shade val="50000"/>
+            </a:schemeClr>
+          </a:lnRef>
+          <a:fillRef idx="1">
+            <a:schemeClr val="accent1"/>
+          </a:fillRef>
+          <a:effectRef idx="0">
+            <a:schemeClr val="accent1"/>
+          </a:effectRef>
+          <a:fontRef idx="minor">
+            <a:schemeClr val="lt1"/>
+          </a:fontRef>
+        </p:style>
+        <p:txBody>
+          <a:bodyPr rtlCol="0" anchor="ctr"/>
+          <a:lstStyle/>
+          <a:p>
+            <a:pPr algn="ctr"/>
+            <a:endParaRPr lang="en-US"/>
+          </a:p>
+        </p:txBody>
+      </p:sp>
+      <p:sp>
+        <p:nvSpPr>
+          <p:cNvPr id="2" name="Title 1">
+            <a:extLst>
+              <a:ext uri="{FF2B5EF4-FFF2-40B4-BE49-F238E27FC236}">
+                <a16:creationId xmlns:a16="http://schemas.microsoft.com/office/drawing/2014/main" id="{C020685E-9574-4D75-B6E3-48BC7449544C}"/>
+              </a:ext>
+            </a:extLst>
+          </p:cNvPr>
+          <p:cNvSpPr>
+            <a:spLocks noGrp="1"/>
+          </p:cNvSpPr>
+          <p:nvPr>
+            <p:ph type="title"/>
+          </p:nvPr>
+        </p:nvSpPr>
+        <p:spPr>
+          <a:xfrm>
+            <a:off x="1028700" y="1967266"/>
+            <a:ext cx="2628900" cy="2547257"/>
+          </a:xfrm>
+          <a:noFill/>
+        </p:spPr>
+        <p:txBody>
+          <a:bodyPr vert="horz" lIns="91440" tIns="45720" rIns="91440" bIns="45720" rtlCol="0" anchor="ctr">
+            <a:normAutofit/>
+          </a:bodyPr>
+          <a:lstStyle/>
+          <a:p>
+            <a:pPr algn="ctr"/>
+            <a:r>
+              <a:rPr lang="en-US" sz="3600" kern="1200">
+                <a:solidFill>
+                  <a:srgbClr val="FFFFFF"/>
+                </a:solidFill>
+                <a:latin typeface="+mj-lt"/>
+                <a:ea typeface="+mj-ea"/>
+                <a:cs typeface="+mj-cs"/>
+              </a:rPr>
+              <a:t>Token bucket</a:t>
+            </a:r>
+          </a:p>
+        </p:txBody>
+      </p:sp>
+      <p:pic>
+        <p:nvPicPr>
+          <p:cNvPr id="5" name="Content Placeholder 4" descr="A bucket">
+            <a:extLst>
+              <a:ext uri="{FF2B5EF4-FFF2-40B4-BE49-F238E27FC236}">
+                <a16:creationId xmlns:a16="http://schemas.microsoft.com/office/drawing/2014/main" id="{57368D96-8F12-4908-9BA5-046E53D94CB3}"/>
+              </a:ext>
+            </a:extLst>
+          </p:cNvPr>
+          <p:cNvPicPr>
+            <a:picLocks noGrp="1" noChangeAspect="1"/>
+          </p:cNvPicPr>
+          <p:nvPr>
+            <p:ph idx="1"/>
+          </p:nvPr>
+        </p:nvPicPr>
+        <p:blipFill>
+          <a:blip r:embed="rId2">
+            <a:extLst>
+              <a:ext uri="{28A0092B-C50C-407E-A947-70E740481C1C}">
+                <a14:useLocalDpi xmlns:a14="http://schemas.microsoft.com/office/drawing/2010/main" val="0"/>
+              </a:ext>
+              <a:ext uri="{96DAC541-7B7A-43D3-8B79-37D633B846F1}">
+                <asvg:svgBlip xmlns:asvg="http://schemas.microsoft.com/office/drawing/2016/SVG/main" r:embed="rId3"/>
+              </a:ext>
+            </a:extLst>
+          </a:blip>
+          <a:stretch>
+            <a:fillRect/>
+          </a:stretch>
+        </p:blipFill>
+        <p:spPr>
+          <a:xfrm>
+            <a:off x="5294568" y="860871"/>
+            <a:ext cx="6180010" cy="6180010"/>
+          </a:xfrm>
+          <a:prstGeom prst="rect">
+            <a:avLst/>
+          </a:prstGeom>
+        </p:spPr>
+      </p:pic>
+      <p:sp>
+        <p:nvSpPr>
+          <p:cNvPr id="6" name="Oval 5">
+            <a:extLst>
+              <a:ext uri="{FF2B5EF4-FFF2-40B4-BE49-F238E27FC236}">
+                <a16:creationId xmlns:a16="http://schemas.microsoft.com/office/drawing/2014/main" id="{DB456EB5-1F6E-420E-B92B-BA9793AA26A3}"/>
+              </a:ext>
+            </a:extLst>
+          </p:cNvPr>
+          <p:cNvSpPr/>
+          <p:nvPr/>
+        </p:nvSpPr>
+        <p:spPr>
+          <a:xfrm>
+            <a:off x="8202581" y="3789311"/>
+            <a:ext cx="363984" cy="363984"/>
+          </a:xfrm>
+          <a:prstGeom prst="ellipse">
+            <a:avLst/>
+          </a:prstGeom>
+        </p:spPr>
+        <p:style>
+          <a:lnRef idx="2">
+            <a:schemeClr val="accent1">
+              <a:shade val="50000"/>
+            </a:schemeClr>
+          </a:lnRef>
+          <a:fillRef idx="1">
+            <a:schemeClr val="accent1"/>
+          </a:fillRef>
+          <a:effectRef idx="0">
+            <a:schemeClr val="accent1"/>
+          </a:effectRef>
+          <a:fontRef idx="minor">
+            <a:schemeClr val="lt1"/>
+          </a:fontRef>
+        </p:style>
+        <p:txBody>
+          <a:bodyPr rtlCol="0" anchor="ctr"/>
+          <a:lstStyle/>
+          <a:p>
+            <a:pPr algn="ctr"/>
+            <a:endParaRPr lang="en-US"/>
+          </a:p>
+        </p:txBody>
+      </p:sp>
+      <p:sp>
+        <p:nvSpPr>
+          <p:cNvPr id="8" name="Oval 7">
+            <a:extLst>
+              <a:ext uri="{FF2B5EF4-FFF2-40B4-BE49-F238E27FC236}">
+                <a16:creationId xmlns:a16="http://schemas.microsoft.com/office/drawing/2014/main" id="{15CA75CD-5562-4126-BF4F-75639FFC510B}"/>
+              </a:ext>
+            </a:extLst>
+          </p:cNvPr>
+          <p:cNvSpPr/>
+          <p:nvPr/>
+        </p:nvSpPr>
+        <p:spPr>
+          <a:xfrm>
+            <a:off x="8772618" y="3768884"/>
+            <a:ext cx="363984" cy="363984"/>
+          </a:xfrm>
+          <a:prstGeom prst="ellipse">
+            <a:avLst/>
+          </a:prstGeom>
+        </p:spPr>
+        <p:style>
+          <a:lnRef idx="2">
+            <a:schemeClr val="accent1">
+              <a:shade val="50000"/>
+            </a:schemeClr>
+          </a:lnRef>
+          <a:fillRef idx="1">
+            <a:schemeClr val="accent1"/>
+          </a:fillRef>
+          <a:effectRef idx="0">
+            <a:schemeClr val="accent1"/>
+          </a:effectRef>
+          <a:fontRef idx="minor">
+            <a:schemeClr val="lt1"/>
+          </a:fontRef>
+        </p:style>
+        <p:txBody>
+          <a:bodyPr rtlCol="0" anchor="ctr"/>
+          <a:lstStyle/>
+          <a:p>
+            <a:pPr algn="ctr"/>
+            <a:endParaRPr lang="en-US"/>
+          </a:p>
+        </p:txBody>
+      </p:sp>
+      <p:sp>
+        <p:nvSpPr>
+          <p:cNvPr id="9" name="Oval 8">
+            <a:extLst>
+              <a:ext uri="{FF2B5EF4-FFF2-40B4-BE49-F238E27FC236}">
+                <a16:creationId xmlns:a16="http://schemas.microsoft.com/office/drawing/2014/main" id="{F9AA2BE2-7870-4DBD-8A56-E60C4B9F06EA}"/>
+              </a:ext>
+            </a:extLst>
+          </p:cNvPr>
+          <p:cNvSpPr/>
+          <p:nvPr/>
+        </p:nvSpPr>
+        <p:spPr>
+          <a:xfrm>
+            <a:off x="7687621" y="3794062"/>
+            <a:ext cx="363984" cy="363984"/>
+          </a:xfrm>
+          <a:prstGeom prst="ellipse">
+            <a:avLst/>
+          </a:prstGeom>
+        </p:spPr>
+        <p:style>
+          <a:lnRef idx="2">
+            <a:schemeClr val="accent1">
+              <a:shade val="50000"/>
+            </a:schemeClr>
+          </a:lnRef>
+          <a:fillRef idx="1">
+            <a:schemeClr val="accent1"/>
+          </a:fillRef>
+          <a:effectRef idx="0">
+            <a:schemeClr val="accent1"/>
+          </a:effectRef>
+          <a:fontRef idx="minor">
+            <a:schemeClr val="lt1"/>
+          </a:fontRef>
+        </p:style>
+        <p:txBody>
+          <a:bodyPr rtlCol="0" anchor="ctr"/>
+          <a:lstStyle/>
+          <a:p>
+            <a:pPr algn="ctr"/>
+            <a:endParaRPr lang="en-US"/>
+          </a:p>
+        </p:txBody>
+      </p:sp>
+      <p:sp>
+        <p:nvSpPr>
+          <p:cNvPr id="11" name="Oval 10">
+            <a:extLst>
+              <a:ext uri="{FF2B5EF4-FFF2-40B4-BE49-F238E27FC236}">
+                <a16:creationId xmlns:a16="http://schemas.microsoft.com/office/drawing/2014/main" id="{5E33BE4F-3BE6-49B7-B616-665F4E973E22}"/>
+              </a:ext>
+            </a:extLst>
+          </p:cNvPr>
+          <p:cNvSpPr/>
+          <p:nvPr/>
+        </p:nvSpPr>
+        <p:spPr>
+          <a:xfrm>
+            <a:off x="7945101" y="4132868"/>
+            <a:ext cx="363984" cy="363984"/>
+          </a:xfrm>
+          <a:prstGeom prst="ellipse">
+            <a:avLst/>
+          </a:prstGeom>
+        </p:spPr>
+        <p:style>
+          <a:lnRef idx="2">
+            <a:schemeClr val="accent1">
+              <a:shade val="50000"/>
+            </a:schemeClr>
+          </a:lnRef>
+          <a:fillRef idx="1">
+            <a:schemeClr val="accent1"/>
+          </a:fillRef>
+          <a:effectRef idx="0">
+            <a:schemeClr val="accent1"/>
+          </a:effectRef>
+          <a:fontRef idx="minor">
+            <a:schemeClr val="lt1"/>
+          </a:fontRef>
+        </p:style>
+        <p:txBody>
+          <a:bodyPr rtlCol="0" anchor="ctr"/>
+          <a:lstStyle/>
+          <a:p>
+            <a:pPr algn="ctr"/>
+            <a:endParaRPr lang="en-US"/>
+          </a:p>
+        </p:txBody>
+      </p:sp>
+      <p:sp>
+        <p:nvSpPr>
+          <p:cNvPr id="12" name="Oval 11">
+            <a:extLst>
+              <a:ext uri="{FF2B5EF4-FFF2-40B4-BE49-F238E27FC236}">
+                <a16:creationId xmlns:a16="http://schemas.microsoft.com/office/drawing/2014/main" id="{CC70DACE-B578-4986-AB69-7CC3E5B19339}"/>
+              </a:ext>
+            </a:extLst>
+          </p:cNvPr>
+          <p:cNvSpPr/>
+          <p:nvPr/>
+        </p:nvSpPr>
+        <p:spPr>
+          <a:xfrm>
+            <a:off x="8515138" y="4112441"/>
+            <a:ext cx="363984" cy="363984"/>
+          </a:xfrm>
+          <a:prstGeom prst="ellipse">
+            <a:avLst/>
+          </a:prstGeom>
+        </p:spPr>
+        <p:style>
+          <a:lnRef idx="2">
+            <a:schemeClr val="accent1">
+              <a:shade val="50000"/>
+            </a:schemeClr>
+          </a:lnRef>
+          <a:fillRef idx="1">
+            <a:schemeClr val="accent1"/>
+          </a:fillRef>
+          <a:effectRef idx="0">
+            <a:schemeClr val="accent1"/>
+          </a:effectRef>
+          <a:fontRef idx="minor">
+            <a:schemeClr val="lt1"/>
+          </a:fontRef>
+        </p:style>
+        <p:txBody>
+          <a:bodyPr rtlCol="0" anchor="ctr"/>
+          <a:lstStyle/>
+          <a:p>
+            <a:pPr algn="ctr"/>
+            <a:endParaRPr lang="en-US"/>
+          </a:p>
+        </p:txBody>
+      </p:sp>
+      <p:sp>
+        <p:nvSpPr>
+          <p:cNvPr id="13" name="Oval 12">
+            <a:extLst>
+              <a:ext uri="{FF2B5EF4-FFF2-40B4-BE49-F238E27FC236}">
+                <a16:creationId xmlns:a16="http://schemas.microsoft.com/office/drawing/2014/main" id="{199E7E13-1DE7-4ED4-B140-52FCF6C0641E}"/>
+              </a:ext>
+            </a:extLst>
+          </p:cNvPr>
+          <p:cNvSpPr/>
+          <p:nvPr/>
+        </p:nvSpPr>
+        <p:spPr>
+          <a:xfrm>
+            <a:off x="7430141" y="4137619"/>
+            <a:ext cx="363984" cy="363984"/>
+          </a:xfrm>
+          <a:prstGeom prst="ellipse">
+            <a:avLst/>
+          </a:prstGeom>
+        </p:spPr>
+        <p:style>
+          <a:lnRef idx="2">
+            <a:schemeClr val="accent1">
+              <a:shade val="50000"/>
+            </a:schemeClr>
+          </a:lnRef>
+          <a:fillRef idx="1">
+            <a:schemeClr val="accent1"/>
+          </a:fillRef>
+          <a:effectRef idx="0">
+            <a:schemeClr val="accent1"/>
+          </a:effectRef>
+          <a:fontRef idx="minor">
+            <a:schemeClr val="lt1"/>
+          </a:fontRef>
+        </p:style>
+        <p:txBody>
+          <a:bodyPr rtlCol="0" anchor="ctr"/>
+          <a:lstStyle/>
+          <a:p>
+            <a:pPr algn="ctr"/>
+            <a:endParaRPr lang="en-US"/>
+          </a:p>
+        </p:txBody>
+      </p:sp>
+      <p:sp>
+        <p:nvSpPr>
+          <p:cNvPr id="17" name="Oval 16">
+            <a:extLst>
+              <a:ext uri="{FF2B5EF4-FFF2-40B4-BE49-F238E27FC236}">
+                <a16:creationId xmlns:a16="http://schemas.microsoft.com/office/drawing/2014/main" id="{55B8A582-BA7F-42FE-A75A-2F3DCB331DE9}"/>
+              </a:ext>
+            </a:extLst>
+          </p:cNvPr>
+          <p:cNvSpPr/>
+          <p:nvPr/>
+        </p:nvSpPr>
+        <p:spPr>
+          <a:xfrm>
+            <a:off x="8246528" y="4430820"/>
+            <a:ext cx="363984" cy="363984"/>
+          </a:xfrm>
+          <a:prstGeom prst="ellipse">
+            <a:avLst/>
+          </a:prstGeom>
+        </p:spPr>
+        <p:style>
+          <a:lnRef idx="2">
+            <a:schemeClr val="accent1">
+              <a:shade val="50000"/>
+            </a:schemeClr>
+          </a:lnRef>
+          <a:fillRef idx="1">
+            <a:schemeClr val="accent1"/>
+          </a:fillRef>
+          <a:effectRef idx="0">
+            <a:schemeClr val="accent1"/>
+          </a:effectRef>
+          <a:fontRef idx="minor">
+            <a:schemeClr val="lt1"/>
+          </a:fontRef>
+        </p:style>
+        <p:txBody>
+          <a:bodyPr rtlCol="0" anchor="ctr"/>
+          <a:lstStyle/>
+          <a:p>
+            <a:pPr algn="ctr"/>
+            <a:endParaRPr lang="en-US"/>
+          </a:p>
+        </p:txBody>
+      </p:sp>
+      <p:sp>
+        <p:nvSpPr>
+          <p:cNvPr id="18" name="Oval 17">
+            <a:extLst>
+              <a:ext uri="{FF2B5EF4-FFF2-40B4-BE49-F238E27FC236}">
+                <a16:creationId xmlns:a16="http://schemas.microsoft.com/office/drawing/2014/main" id="{339156F0-5766-48B5-99E3-CEB43B218049}"/>
+              </a:ext>
+            </a:extLst>
+          </p:cNvPr>
+          <p:cNvSpPr/>
+          <p:nvPr/>
+        </p:nvSpPr>
+        <p:spPr>
+          <a:xfrm>
+            <a:off x="8816565" y="4410393"/>
+            <a:ext cx="363984" cy="363984"/>
+          </a:xfrm>
+          <a:prstGeom prst="ellipse">
+            <a:avLst/>
+          </a:prstGeom>
+        </p:spPr>
+        <p:style>
+          <a:lnRef idx="2">
+            <a:schemeClr val="accent1">
+              <a:shade val="50000"/>
+            </a:schemeClr>
+          </a:lnRef>
+          <a:fillRef idx="1">
+            <a:schemeClr val="accent1"/>
+          </a:fillRef>
+          <a:effectRef idx="0">
+            <a:schemeClr val="accent1"/>
+          </a:effectRef>
+          <a:fontRef idx="minor">
+            <a:schemeClr val="lt1"/>
+          </a:fontRef>
+        </p:style>
+        <p:txBody>
+          <a:bodyPr rtlCol="0" anchor="ctr"/>
+          <a:lstStyle/>
+          <a:p>
+            <a:pPr algn="ctr"/>
+            <a:endParaRPr lang="en-US"/>
+          </a:p>
+        </p:txBody>
+      </p:sp>
+      <p:sp>
+        <p:nvSpPr>
+          <p:cNvPr id="19" name="Oval 18">
+            <a:extLst>
+              <a:ext uri="{FF2B5EF4-FFF2-40B4-BE49-F238E27FC236}">
+                <a16:creationId xmlns:a16="http://schemas.microsoft.com/office/drawing/2014/main" id="{D6676EA7-774E-410E-B9DC-32C6C89B1F81}"/>
+              </a:ext>
+            </a:extLst>
+          </p:cNvPr>
+          <p:cNvSpPr/>
+          <p:nvPr/>
+        </p:nvSpPr>
+        <p:spPr>
+          <a:xfrm>
+            <a:off x="7625064" y="4561541"/>
+            <a:ext cx="363984" cy="363984"/>
+          </a:xfrm>
+          <a:prstGeom prst="ellipse">
+            <a:avLst/>
+          </a:prstGeom>
+        </p:spPr>
+        <p:style>
+          <a:lnRef idx="2">
+            <a:schemeClr val="accent1">
+              <a:shade val="50000"/>
+            </a:schemeClr>
+          </a:lnRef>
+          <a:fillRef idx="1">
+            <a:schemeClr val="accent1"/>
+          </a:fillRef>
+          <a:effectRef idx="0">
+            <a:schemeClr val="accent1"/>
+          </a:effectRef>
+          <a:fontRef idx="minor">
+            <a:schemeClr val="lt1"/>
+          </a:fontRef>
+        </p:style>
+        <p:txBody>
+          <a:bodyPr rtlCol="0" anchor="ctr"/>
+          <a:lstStyle/>
+          <a:p>
+            <a:pPr algn="ctr"/>
+            <a:endParaRPr lang="en-US"/>
+          </a:p>
+        </p:txBody>
+      </p:sp>
+      <p:sp>
+        <p:nvSpPr>
+          <p:cNvPr id="20" name="Oval 19">
+            <a:extLst>
+              <a:ext uri="{FF2B5EF4-FFF2-40B4-BE49-F238E27FC236}">
+                <a16:creationId xmlns:a16="http://schemas.microsoft.com/office/drawing/2014/main" id="{EAF176B0-47DE-470E-918D-F32DB48E7FBC}"/>
+              </a:ext>
+            </a:extLst>
+          </p:cNvPr>
+          <p:cNvSpPr/>
+          <p:nvPr/>
+        </p:nvSpPr>
+        <p:spPr>
+          <a:xfrm>
+            <a:off x="7989048" y="4774377"/>
+            <a:ext cx="363984" cy="363984"/>
+          </a:xfrm>
+          <a:prstGeom prst="ellipse">
+            <a:avLst/>
+          </a:prstGeom>
+        </p:spPr>
+        <p:style>
+          <a:lnRef idx="2">
+            <a:schemeClr val="accent1">
+              <a:shade val="50000"/>
+            </a:schemeClr>
+          </a:lnRef>
+          <a:fillRef idx="1">
+            <a:schemeClr val="accent1"/>
+          </a:fillRef>
+          <a:effectRef idx="0">
+            <a:schemeClr val="accent1"/>
+          </a:effectRef>
+          <a:fontRef idx="minor">
+            <a:schemeClr val="lt1"/>
+          </a:fontRef>
+        </p:style>
+        <p:txBody>
+          <a:bodyPr rtlCol="0" anchor="ctr"/>
+          <a:lstStyle/>
+          <a:p>
+            <a:pPr algn="ctr"/>
+            <a:endParaRPr lang="en-US"/>
+          </a:p>
+        </p:txBody>
+      </p:sp>
+      <p:sp>
+        <p:nvSpPr>
+          <p:cNvPr id="21" name="Oval 20">
+            <a:extLst>
+              <a:ext uri="{FF2B5EF4-FFF2-40B4-BE49-F238E27FC236}">
+                <a16:creationId xmlns:a16="http://schemas.microsoft.com/office/drawing/2014/main" id="{77A6E51D-3FEF-4E73-9111-5FCECCA6D44D}"/>
+              </a:ext>
+            </a:extLst>
+          </p:cNvPr>
+          <p:cNvSpPr/>
+          <p:nvPr/>
+        </p:nvSpPr>
+        <p:spPr>
+          <a:xfrm>
+            <a:off x="8559085" y="4753950"/>
+            <a:ext cx="363984" cy="363984"/>
+          </a:xfrm>
+          <a:prstGeom prst="ellipse">
+            <a:avLst/>
+          </a:prstGeom>
+        </p:spPr>
+        <p:style>
+          <a:lnRef idx="2">
+            <a:schemeClr val="accent1">
+              <a:shade val="50000"/>
+            </a:schemeClr>
+          </a:lnRef>
+          <a:fillRef idx="1">
+            <a:schemeClr val="accent1"/>
+          </a:fillRef>
+          <a:effectRef idx="0">
+            <a:schemeClr val="accent1"/>
+          </a:effectRef>
+          <a:fontRef idx="minor">
+            <a:schemeClr val="lt1"/>
+          </a:fontRef>
+        </p:style>
+        <p:txBody>
+          <a:bodyPr rtlCol="0" anchor="ctr"/>
+          <a:lstStyle/>
+          <a:p>
+            <a:pPr algn="ctr"/>
+            <a:endParaRPr lang="en-US"/>
+          </a:p>
+        </p:txBody>
+      </p:sp>
+      <p:sp>
+        <p:nvSpPr>
+          <p:cNvPr id="23" name="Oval 22">
+            <a:extLst>
+              <a:ext uri="{FF2B5EF4-FFF2-40B4-BE49-F238E27FC236}">
+                <a16:creationId xmlns:a16="http://schemas.microsoft.com/office/drawing/2014/main" id="{2B252D81-8AE6-4861-83C8-4184E64BE46F}"/>
+              </a:ext>
+            </a:extLst>
+          </p:cNvPr>
+          <p:cNvSpPr/>
+          <p:nvPr/>
+        </p:nvSpPr>
+        <p:spPr>
+          <a:xfrm>
+            <a:off x="8309085" y="5090948"/>
+            <a:ext cx="363984" cy="363984"/>
+          </a:xfrm>
+          <a:prstGeom prst="ellipse">
+            <a:avLst/>
+          </a:prstGeom>
+        </p:spPr>
+        <p:style>
+          <a:lnRef idx="2">
+            <a:schemeClr val="accent1">
+              <a:shade val="50000"/>
+            </a:schemeClr>
+          </a:lnRef>
+          <a:fillRef idx="1">
+            <a:schemeClr val="accent1"/>
+          </a:fillRef>
+          <a:effectRef idx="0">
+            <a:schemeClr val="accent1"/>
+          </a:effectRef>
+          <a:fontRef idx="minor">
+            <a:schemeClr val="lt1"/>
+          </a:fontRef>
+        </p:style>
+        <p:txBody>
+          <a:bodyPr rtlCol="0" anchor="ctr"/>
+          <a:lstStyle/>
+          <a:p>
+            <a:pPr algn="ctr"/>
+            <a:endParaRPr lang="en-US"/>
+          </a:p>
+        </p:txBody>
+      </p:sp>
+      <p:sp>
+        <p:nvSpPr>
+          <p:cNvPr id="24" name="Oval 23">
+            <a:extLst>
+              <a:ext uri="{FF2B5EF4-FFF2-40B4-BE49-F238E27FC236}">
+                <a16:creationId xmlns:a16="http://schemas.microsoft.com/office/drawing/2014/main" id="{DBE2560F-AC2E-4C05-85FD-5E1F3C1047AE}"/>
+              </a:ext>
+            </a:extLst>
+          </p:cNvPr>
+          <p:cNvSpPr/>
+          <p:nvPr/>
+        </p:nvSpPr>
+        <p:spPr>
+          <a:xfrm>
+            <a:off x="9030098" y="4057915"/>
+            <a:ext cx="363984" cy="363984"/>
+          </a:xfrm>
+          <a:prstGeom prst="ellipse">
+            <a:avLst/>
+          </a:prstGeom>
+        </p:spPr>
+        <p:style>
+          <a:lnRef idx="2">
+            <a:schemeClr val="accent1">
+              <a:shade val="50000"/>
+            </a:schemeClr>
+          </a:lnRef>
+          <a:fillRef idx="1">
+            <a:schemeClr val="accent1"/>
+          </a:fillRef>
+          <a:effectRef idx="0">
+            <a:schemeClr val="accent1"/>
+          </a:effectRef>
+          <a:fontRef idx="minor">
+            <a:schemeClr val="lt1"/>
+          </a:fontRef>
+        </p:style>
+        <p:txBody>
+          <a:bodyPr rtlCol="0" anchor="ctr"/>
+          <a:lstStyle/>
+          <a:p>
+            <a:pPr algn="ctr"/>
+            <a:endParaRPr lang="en-US"/>
+          </a:p>
+        </p:txBody>
+      </p:sp>
+      <p:sp>
+        <p:nvSpPr>
+          <p:cNvPr id="25" name="Oval 24">
+            <a:extLst>
+              <a:ext uri="{FF2B5EF4-FFF2-40B4-BE49-F238E27FC236}">
+                <a16:creationId xmlns:a16="http://schemas.microsoft.com/office/drawing/2014/main" id="{5FC7DA96-9FAC-433E-AAB5-F226B76BC016}"/>
+              </a:ext>
+            </a:extLst>
+          </p:cNvPr>
+          <p:cNvSpPr/>
+          <p:nvPr/>
+        </p:nvSpPr>
+        <p:spPr>
+          <a:xfrm>
+            <a:off x="7603091" y="5050094"/>
+            <a:ext cx="363984" cy="363984"/>
+          </a:xfrm>
+          <a:prstGeom prst="ellipse">
+            <a:avLst/>
+          </a:prstGeom>
+        </p:spPr>
+        <p:style>
+          <a:lnRef idx="2">
+            <a:schemeClr val="accent1">
+              <a:shade val="50000"/>
+            </a:schemeClr>
+          </a:lnRef>
+          <a:fillRef idx="1">
+            <a:schemeClr val="accent1"/>
+          </a:fillRef>
+          <a:effectRef idx="0">
+            <a:schemeClr val="accent1"/>
+          </a:effectRef>
+          <a:fontRef idx="minor">
+            <a:schemeClr val="lt1"/>
+          </a:fontRef>
+        </p:style>
+        <p:txBody>
+          <a:bodyPr rtlCol="0" anchor="ctr"/>
+          <a:lstStyle/>
+          <a:p>
+            <a:pPr algn="ctr"/>
+            <a:endParaRPr lang="en-US"/>
+          </a:p>
+        </p:txBody>
+      </p:sp>
+      <p:sp>
+        <p:nvSpPr>
+          <p:cNvPr id="26" name="Oval 25">
+            <a:extLst>
+              <a:ext uri="{FF2B5EF4-FFF2-40B4-BE49-F238E27FC236}">
+                <a16:creationId xmlns:a16="http://schemas.microsoft.com/office/drawing/2014/main" id="{B74CB3D5-F0F7-4383-A48E-251F0C6FFDF7}"/>
+              </a:ext>
+            </a:extLst>
+          </p:cNvPr>
+          <p:cNvSpPr/>
+          <p:nvPr/>
+        </p:nvSpPr>
+        <p:spPr>
+          <a:xfrm>
+            <a:off x="8051605" y="5434505"/>
+            <a:ext cx="363984" cy="363984"/>
+          </a:xfrm>
+          <a:prstGeom prst="ellipse">
+            <a:avLst/>
+          </a:prstGeom>
+        </p:spPr>
+        <p:style>
+          <a:lnRef idx="2">
+            <a:schemeClr val="accent1">
+              <a:shade val="50000"/>
+            </a:schemeClr>
+          </a:lnRef>
+          <a:fillRef idx="1">
+            <a:schemeClr val="accent1"/>
+          </a:fillRef>
+          <a:effectRef idx="0">
+            <a:schemeClr val="accent1"/>
+          </a:effectRef>
+          <a:fontRef idx="minor">
+            <a:schemeClr val="lt1"/>
+          </a:fontRef>
+        </p:style>
+        <p:txBody>
+          <a:bodyPr rtlCol="0" anchor="ctr"/>
+          <a:lstStyle/>
+          <a:p>
+            <a:pPr algn="ctr"/>
+            <a:endParaRPr lang="en-US"/>
+          </a:p>
+        </p:txBody>
+      </p:sp>
+      <p:sp>
+        <p:nvSpPr>
+          <p:cNvPr id="27" name="Oval 26">
+            <a:extLst>
+              <a:ext uri="{FF2B5EF4-FFF2-40B4-BE49-F238E27FC236}">
+                <a16:creationId xmlns:a16="http://schemas.microsoft.com/office/drawing/2014/main" id="{89F75EB4-9E01-4039-8ED6-38CE20B9C7A9}"/>
+              </a:ext>
+            </a:extLst>
+          </p:cNvPr>
+          <p:cNvSpPr/>
+          <p:nvPr/>
+        </p:nvSpPr>
+        <p:spPr>
+          <a:xfrm>
+            <a:off x="8634573" y="5569084"/>
+            <a:ext cx="363984" cy="363984"/>
+          </a:xfrm>
+          <a:prstGeom prst="ellipse">
+            <a:avLst/>
+          </a:prstGeom>
+        </p:spPr>
+        <p:style>
+          <a:lnRef idx="2">
+            <a:schemeClr val="accent1">
+              <a:shade val="50000"/>
+            </a:schemeClr>
+          </a:lnRef>
+          <a:fillRef idx="1">
+            <a:schemeClr val="accent1"/>
+          </a:fillRef>
+          <a:effectRef idx="0">
+            <a:schemeClr val="accent1"/>
+          </a:effectRef>
+          <a:fontRef idx="minor">
+            <a:schemeClr val="lt1"/>
+          </a:fontRef>
+        </p:style>
+        <p:txBody>
+          <a:bodyPr rtlCol="0" anchor="ctr"/>
+          <a:lstStyle/>
+          <a:p>
+            <a:pPr algn="ctr"/>
+            <a:endParaRPr lang="en-US"/>
+          </a:p>
+        </p:txBody>
+      </p:sp>
+      <p:sp>
+        <p:nvSpPr>
+          <p:cNvPr id="29" name="Oval 28">
+            <a:extLst>
+              <a:ext uri="{FF2B5EF4-FFF2-40B4-BE49-F238E27FC236}">
+                <a16:creationId xmlns:a16="http://schemas.microsoft.com/office/drawing/2014/main" id="{FA436494-44A5-4C54-B53A-1E2632737694}"/>
+              </a:ext>
+            </a:extLst>
+          </p:cNvPr>
+          <p:cNvSpPr/>
+          <p:nvPr/>
+        </p:nvSpPr>
+        <p:spPr>
+          <a:xfrm>
+            <a:off x="8940493" y="4794804"/>
+            <a:ext cx="363984" cy="363984"/>
+          </a:xfrm>
+          <a:prstGeom prst="ellipse">
+            <a:avLst/>
+          </a:prstGeom>
+        </p:spPr>
+        <p:style>
+          <a:lnRef idx="2">
+            <a:schemeClr val="accent1">
+              <a:shade val="50000"/>
+            </a:schemeClr>
+          </a:lnRef>
+          <a:fillRef idx="1">
+            <a:schemeClr val="accent1"/>
+          </a:fillRef>
+          <a:effectRef idx="0">
+            <a:schemeClr val="accent1"/>
+          </a:effectRef>
+          <a:fontRef idx="minor">
+            <a:schemeClr val="lt1"/>
+          </a:fontRef>
+        </p:style>
+        <p:txBody>
+          <a:bodyPr rtlCol="0" anchor="ctr"/>
+          <a:lstStyle/>
+          <a:p>
+            <a:pPr algn="ctr"/>
+            <a:endParaRPr lang="en-US"/>
+          </a:p>
+        </p:txBody>
+      </p:sp>
+      <p:sp>
+        <p:nvSpPr>
+          <p:cNvPr id="30" name="Oval 29">
+            <a:extLst>
+              <a:ext uri="{FF2B5EF4-FFF2-40B4-BE49-F238E27FC236}">
+                <a16:creationId xmlns:a16="http://schemas.microsoft.com/office/drawing/2014/main" id="{50116518-1CD4-4CAD-AAF1-DCCB5399B897}"/>
+              </a:ext>
+            </a:extLst>
+          </p:cNvPr>
+          <p:cNvSpPr/>
+          <p:nvPr/>
+        </p:nvSpPr>
+        <p:spPr>
+          <a:xfrm>
+            <a:off x="7625064" y="5553858"/>
+            <a:ext cx="363984" cy="363984"/>
+          </a:xfrm>
+          <a:prstGeom prst="ellipse">
+            <a:avLst/>
+          </a:prstGeom>
+        </p:spPr>
+        <p:style>
+          <a:lnRef idx="2">
+            <a:schemeClr val="accent1">
+              <a:shade val="50000"/>
+            </a:schemeClr>
+          </a:lnRef>
+          <a:fillRef idx="1">
+            <a:schemeClr val="accent1"/>
+          </a:fillRef>
+          <a:effectRef idx="0">
+            <a:schemeClr val="accent1"/>
+          </a:effectRef>
+          <a:fontRef idx="minor">
+            <a:schemeClr val="lt1"/>
+          </a:fontRef>
+        </p:style>
+        <p:txBody>
+          <a:bodyPr rtlCol="0" anchor="ctr"/>
+          <a:lstStyle/>
+          <a:p>
+            <a:pPr algn="ctr"/>
+            <a:endParaRPr lang="en-US"/>
+          </a:p>
+        </p:txBody>
+      </p:sp>
+      <p:sp>
+        <p:nvSpPr>
+          <p:cNvPr id="31" name="Oval 30">
+            <a:extLst>
+              <a:ext uri="{FF2B5EF4-FFF2-40B4-BE49-F238E27FC236}">
+                <a16:creationId xmlns:a16="http://schemas.microsoft.com/office/drawing/2014/main" id="{CA4C55BE-6BFB-42E0-B36B-B7EE0088A0D9}"/>
+              </a:ext>
+            </a:extLst>
+          </p:cNvPr>
+          <p:cNvSpPr/>
+          <p:nvPr/>
+        </p:nvSpPr>
+        <p:spPr>
+          <a:xfrm>
+            <a:off x="8759567" y="5170650"/>
+            <a:ext cx="363984" cy="363984"/>
+          </a:xfrm>
+          <a:prstGeom prst="ellipse">
+            <a:avLst/>
+          </a:prstGeom>
+        </p:spPr>
+        <p:style>
+          <a:lnRef idx="2">
+            <a:schemeClr val="accent1">
+              <a:shade val="50000"/>
+            </a:schemeClr>
+          </a:lnRef>
+          <a:fillRef idx="1">
+            <a:schemeClr val="accent1"/>
+          </a:fillRef>
+          <a:effectRef idx="0">
+            <a:schemeClr val="accent1"/>
+          </a:effectRef>
+          <a:fontRef idx="minor">
+            <a:schemeClr val="lt1"/>
+          </a:fontRef>
+        </p:style>
+        <p:txBody>
+          <a:bodyPr rtlCol="0" anchor="ctr"/>
+          <a:lstStyle/>
+          <a:p>
+            <a:pPr algn="ctr"/>
+            <a:endParaRPr lang="en-US"/>
+          </a:p>
+        </p:txBody>
+      </p:sp>
+      <p:sp>
+        <p:nvSpPr>
+          <p:cNvPr id="33" name="Arrow: Curved Up 32">
+            <a:extLst>
+              <a:ext uri="{FF2B5EF4-FFF2-40B4-BE49-F238E27FC236}">
+                <a16:creationId xmlns:a16="http://schemas.microsoft.com/office/drawing/2014/main" id="{C010CDB5-DC94-4F8C-83DA-7FBB87290A46}"/>
+              </a:ext>
+            </a:extLst>
+          </p:cNvPr>
+          <p:cNvSpPr/>
+          <p:nvPr/>
+        </p:nvSpPr>
+        <p:spPr>
+          <a:xfrm flipV="1">
+            <a:off x="8843197" y="2834330"/>
+            <a:ext cx="1869577" cy="978025"/>
+          </a:xfrm>
+          <a:prstGeom prst="curvedUpArrow">
+            <a:avLst/>
+          </a:prstGeom>
+        </p:spPr>
+        <p:style>
+          <a:lnRef idx="2">
+            <a:schemeClr val="accent1">
+              <a:shade val="50000"/>
+            </a:schemeClr>
+          </a:lnRef>
+          <a:fillRef idx="1">
+            <a:schemeClr val="accent1"/>
+          </a:fillRef>
+          <a:effectRef idx="0">
+            <a:schemeClr val="accent1"/>
+          </a:effectRef>
+          <a:fontRef idx="minor">
+            <a:schemeClr val="lt1"/>
+          </a:fontRef>
+        </p:style>
+        <p:txBody>
+          <a:bodyPr rtlCol="0" anchor="ctr"/>
+          <a:lstStyle/>
+          <a:p>
+            <a:pPr algn="ctr"/>
+            <a:endParaRPr lang="en-US">
+              <a:solidFill>
+                <a:schemeClr val="tx1"/>
+              </a:solidFill>
+            </a:endParaRPr>
+          </a:p>
+        </p:txBody>
+      </p:sp>
+      <p:sp>
+        <p:nvSpPr>
+          <p:cNvPr id="34" name="Arrow: Curved Up 33">
+            <a:extLst>
+              <a:ext uri="{FF2B5EF4-FFF2-40B4-BE49-F238E27FC236}">
+                <a16:creationId xmlns:a16="http://schemas.microsoft.com/office/drawing/2014/main" id="{E2D24C06-2997-4FB5-872B-A445FC051708}"/>
+              </a:ext>
+            </a:extLst>
+          </p:cNvPr>
+          <p:cNvSpPr/>
+          <p:nvPr/>
+        </p:nvSpPr>
+        <p:spPr>
+          <a:xfrm flipV="1">
+            <a:off x="5895578" y="2359530"/>
+            <a:ext cx="1869577" cy="978025"/>
+          </a:xfrm>
+          <a:prstGeom prst="curvedUpArrow">
+            <a:avLst/>
+          </a:prstGeom>
+        </p:spPr>
+        <p:style>
+          <a:lnRef idx="2">
+            <a:schemeClr val="accent1">
+              <a:shade val="50000"/>
+            </a:schemeClr>
+          </a:lnRef>
+          <a:fillRef idx="1">
+            <a:schemeClr val="accent1"/>
+          </a:fillRef>
+          <a:effectRef idx="0">
+            <a:schemeClr val="accent1"/>
+          </a:effectRef>
+          <a:fontRef idx="minor">
+            <a:schemeClr val="lt1"/>
+          </a:fontRef>
+        </p:style>
+        <p:txBody>
+          <a:bodyPr rtlCol="0" anchor="ctr"/>
+          <a:lstStyle/>
+          <a:p>
+            <a:pPr algn="ctr"/>
+            <a:endParaRPr lang="en-US">
+              <a:solidFill>
+                <a:schemeClr val="tx1"/>
+              </a:solidFill>
+            </a:endParaRPr>
+          </a:p>
+        </p:txBody>
+      </p:sp>
+      <p:sp>
+        <p:nvSpPr>
+          <p:cNvPr id="35" name="Oval 34">
+            <a:extLst>
+              <a:ext uri="{FF2B5EF4-FFF2-40B4-BE49-F238E27FC236}">
+                <a16:creationId xmlns:a16="http://schemas.microsoft.com/office/drawing/2014/main" id="{DEE78541-6CD2-412B-AA20-0EB896D52338}"/>
+              </a:ext>
+            </a:extLst>
+          </p:cNvPr>
+          <p:cNvSpPr/>
+          <p:nvPr/>
+        </p:nvSpPr>
+        <p:spPr>
+          <a:xfrm>
+            <a:off x="5824791" y="3363741"/>
+            <a:ext cx="363984" cy="363984"/>
+          </a:xfrm>
+          <a:prstGeom prst="ellipse">
+            <a:avLst/>
+          </a:prstGeom>
+        </p:spPr>
+        <p:style>
+          <a:lnRef idx="2">
+            <a:schemeClr val="accent1">
+              <a:shade val="50000"/>
+            </a:schemeClr>
+          </a:lnRef>
+          <a:fillRef idx="1">
+            <a:schemeClr val="accent1"/>
+          </a:fillRef>
+          <a:effectRef idx="0">
+            <a:schemeClr val="accent1"/>
+          </a:effectRef>
+          <a:fontRef idx="minor">
+            <a:schemeClr val="lt1"/>
+          </a:fontRef>
+        </p:style>
+        <p:txBody>
+          <a:bodyPr rtlCol="0" anchor="ctr"/>
+          <a:lstStyle/>
+          <a:p>
+            <a:pPr algn="ctr"/>
+            <a:endParaRPr lang="en-US"/>
+          </a:p>
+        </p:txBody>
+      </p:sp>
+      <p:sp>
+        <p:nvSpPr>
+          <p:cNvPr id="36" name="TextBox 35">
+            <a:extLst>
+              <a:ext uri="{FF2B5EF4-FFF2-40B4-BE49-F238E27FC236}">
+                <a16:creationId xmlns:a16="http://schemas.microsoft.com/office/drawing/2014/main" id="{CC9607FB-9B0C-44CA-A56F-F397DD82435C}"/>
+              </a:ext>
+            </a:extLst>
+          </p:cNvPr>
+          <p:cNvSpPr txBox="1"/>
+          <p:nvPr/>
+        </p:nvSpPr>
+        <p:spPr>
+          <a:xfrm>
+            <a:off x="5280431" y="3812355"/>
+            <a:ext cx="1273426" cy="369332"/>
+          </a:xfrm>
+          <a:prstGeom prst="rect">
+            <a:avLst/>
+          </a:prstGeom>
+          <a:noFill/>
+        </p:spPr>
+        <p:txBody>
+          <a:bodyPr wrap="none" rtlCol="0">
+            <a:spAutoFit/>
+          </a:bodyPr>
+          <a:lstStyle/>
+          <a:p>
+            <a:r>
+              <a:rPr lang="en-US" dirty="0"/>
+              <a:t>1 token/sec</a:t>
+            </a:r>
+          </a:p>
+        </p:txBody>
+      </p:sp>
+      <p:sp>
+        <p:nvSpPr>
+          <p:cNvPr id="37" name="TextBox 36">
+            <a:extLst>
+              <a:ext uri="{FF2B5EF4-FFF2-40B4-BE49-F238E27FC236}">
+                <a16:creationId xmlns:a16="http://schemas.microsoft.com/office/drawing/2014/main" id="{F1ABCD84-E0ED-4F03-8812-27F0180C353C}"/>
+              </a:ext>
+            </a:extLst>
+          </p:cNvPr>
+          <p:cNvSpPr txBox="1"/>
+          <p:nvPr/>
+        </p:nvSpPr>
+        <p:spPr>
+          <a:xfrm>
+            <a:off x="7827016" y="6247999"/>
+            <a:ext cx="1115113" cy="369332"/>
+          </a:xfrm>
+          <a:prstGeom prst="rect">
+            <a:avLst/>
+          </a:prstGeom>
+          <a:noFill/>
+        </p:spPr>
+        <p:txBody>
+          <a:bodyPr wrap="none" rtlCol="0">
+            <a:spAutoFit/>
+          </a:bodyPr>
+          <a:lstStyle/>
+          <a:p>
+            <a:r>
+              <a:rPr lang="en-US" dirty="0"/>
+              <a:t>5 minutes</a:t>
+            </a:r>
+          </a:p>
+        </p:txBody>
+      </p:sp>
+    </p:spTree>
+    <p:extLst>
+      <p:ext uri="{BB962C8B-B14F-4D97-AF65-F5344CB8AC3E}">
+        <p14:creationId xmlns:p14="http://schemas.microsoft.com/office/powerpoint/2010/main" val="3208220115"/>
       </p:ext>
     </p:extLst>
   </p:cSld>
